--- a/KDD-2024/Slides/part10_conclusions.pptx
+++ b/KDD-2024/Slides/part10_conclusions.pptx
@@ -4395,7 +4395,7 @@
         </p:blipFill>
         <p:spPr>
           <a:xfrm>
-            <a:off x="2429164" y="4433456"/>
+            <a:off x="2429164" y="3586748"/>
             <a:ext cx="1940748" cy="799981"/>
           </a:xfrm>
           <a:prstGeom prst="rect">
@@ -4463,6 +4463,51 @@
           </a:prstGeom>
         </p:spPr>
       </p:pic>
+      <p:sp>
+        <p:nvSpPr>
+          <p:cNvPr id="6" name="TextBox 5">
+            <a:extLst>
+              <a:ext uri="{FF2B5EF4-FFF2-40B4-BE49-F238E27FC236}">
+                <a16:creationId xmlns:a16="http://schemas.microsoft.com/office/drawing/2014/main" id="{E269B934-8A0D-CF99-2AA5-07DACA051F50}"/>
+              </a:ext>
+            </a:extLst>
+          </p:cNvPr>
+          <p:cNvSpPr txBox="1"/>
+          <p:nvPr/>
+        </p:nvSpPr>
+        <p:spPr>
+          <a:xfrm>
+            <a:off x="2429164" y="4449411"/>
+            <a:ext cx="6308436" cy="646331"/>
+          </a:xfrm>
+          <a:prstGeom prst="rect">
+            <a:avLst/>
+          </a:prstGeom>
+          <a:noFill/>
+        </p:spPr>
+        <p:txBody>
+          <a:bodyPr wrap="square">
+            <a:spAutoFit/>
+          </a:bodyPr>
+          <a:lstStyle/>
+          <a:p>
+            <a:pPr algn="l"/>
+            <a:r>
+              <a:rPr lang="en-AU" dirty="0"/>
+              <a:t>a</a:t>
+            </a:r>
+            <a:r>
+              <a:rPr lang="en-AU" sz="1800" dirty="0"/>
+              <a:t>eon version 0.11.0 just released with </a:t>
+            </a:r>
+            <a:r>
+              <a:rPr lang="en-AU" dirty="0"/>
+              <a:t>19 contributors, seven new from release 0.10.0.</a:t>
+            </a:r>
+            <a:endParaRPr lang="en-AU" sz="1800" dirty="0"/>
+          </a:p>
+        </p:txBody>
+      </p:sp>
     </p:spTree>
     <p:extLst>
       <p:ext uri="{BB962C8B-B14F-4D97-AF65-F5344CB8AC3E}">

--- a/KDD-2024/Slides/part10_conclusions.pptx
+++ b/KDD-2024/Slides/part10_conclusions.pptx
@@ -219,7 +219,7 @@
           <a:p>
             <a:fld id="{A208CC58-AEBA-4B81-AD4F-648E402612BD}" type="datetimeFigureOut">
               <a:rPr lang="en-GB" smtClean="0"/>
-              <a:t>22/08/2024</a:t>
+              <a:t>24/08/2024</a:t>
             </a:fld>
             <a:endParaRPr lang="en-GB"/>
           </a:p>
@@ -728,7 +728,7 @@
           <a:p>
             <a:fld id="{EDEC158B-FB0A-43FC-87BA-79B801717EB2}" type="datetimeFigureOut">
               <a:rPr lang="en-AU" smtClean="0"/>
-              <a:t>22/08/2024</a:t>
+              <a:t>24/08/2024</a:t>
             </a:fld>
             <a:endParaRPr lang="en-AU"/>
           </a:p>
@@ -928,7 +928,7 @@
           <a:p>
             <a:fld id="{EDEC158B-FB0A-43FC-87BA-79B801717EB2}" type="datetimeFigureOut">
               <a:rPr lang="en-AU" smtClean="0"/>
-              <a:t>22/08/2024</a:t>
+              <a:t>24/08/2024</a:t>
             </a:fld>
             <a:endParaRPr lang="en-AU"/>
           </a:p>
@@ -1138,7 +1138,7 @@
           <a:p>
             <a:fld id="{EDEC158B-FB0A-43FC-87BA-79B801717EB2}" type="datetimeFigureOut">
               <a:rPr lang="en-AU" smtClean="0"/>
-              <a:t>22/08/2024</a:t>
+              <a:t>24/08/2024</a:t>
             </a:fld>
             <a:endParaRPr lang="en-AU"/>
           </a:p>
@@ -1338,7 +1338,7 @@
           <a:p>
             <a:fld id="{EDEC158B-FB0A-43FC-87BA-79B801717EB2}" type="datetimeFigureOut">
               <a:rPr lang="en-AU" smtClean="0"/>
-              <a:t>22/08/2024</a:t>
+              <a:t>24/08/2024</a:t>
             </a:fld>
             <a:endParaRPr lang="en-AU"/>
           </a:p>
@@ -1614,7 +1614,7 @@
           <a:p>
             <a:fld id="{EDEC158B-FB0A-43FC-87BA-79B801717EB2}" type="datetimeFigureOut">
               <a:rPr lang="en-AU" smtClean="0"/>
-              <a:t>22/08/2024</a:t>
+              <a:t>24/08/2024</a:t>
             </a:fld>
             <a:endParaRPr lang="en-AU"/>
           </a:p>
@@ -1882,7 +1882,7 @@
           <a:p>
             <a:fld id="{EDEC158B-FB0A-43FC-87BA-79B801717EB2}" type="datetimeFigureOut">
               <a:rPr lang="en-AU" smtClean="0"/>
-              <a:t>22/08/2024</a:t>
+              <a:t>24/08/2024</a:t>
             </a:fld>
             <a:endParaRPr lang="en-AU"/>
           </a:p>
@@ -2297,7 +2297,7 @@
           <a:p>
             <a:fld id="{EDEC158B-FB0A-43FC-87BA-79B801717EB2}" type="datetimeFigureOut">
               <a:rPr lang="en-AU" smtClean="0"/>
-              <a:t>22/08/2024</a:t>
+              <a:t>24/08/2024</a:t>
             </a:fld>
             <a:endParaRPr lang="en-AU"/>
           </a:p>
@@ -2439,7 +2439,7 @@
           <a:p>
             <a:fld id="{EDEC158B-FB0A-43FC-87BA-79B801717EB2}" type="datetimeFigureOut">
               <a:rPr lang="en-AU" smtClean="0"/>
-              <a:t>22/08/2024</a:t>
+              <a:t>24/08/2024</a:t>
             </a:fld>
             <a:endParaRPr lang="en-AU"/>
           </a:p>
@@ -2552,7 +2552,7 @@
           <a:p>
             <a:fld id="{EDEC158B-FB0A-43FC-87BA-79B801717EB2}" type="datetimeFigureOut">
               <a:rPr lang="en-AU" smtClean="0"/>
-              <a:t>22/08/2024</a:t>
+              <a:t>24/08/2024</a:t>
             </a:fld>
             <a:endParaRPr lang="en-AU"/>
           </a:p>
@@ -2865,7 +2865,7 @@
           <a:p>
             <a:fld id="{EDEC158B-FB0A-43FC-87BA-79B801717EB2}" type="datetimeFigureOut">
               <a:rPr lang="en-AU" smtClean="0"/>
-              <a:t>22/08/2024</a:t>
+              <a:t>24/08/2024</a:t>
             </a:fld>
             <a:endParaRPr lang="en-AU"/>
           </a:p>
@@ -3154,7 +3154,7 @@
           <a:p>
             <a:fld id="{EDEC158B-FB0A-43FC-87BA-79B801717EB2}" type="datetimeFigureOut">
               <a:rPr lang="en-AU" smtClean="0"/>
-              <a:t>22/08/2024</a:t>
+              <a:t>24/08/2024</a:t>
             </a:fld>
             <a:endParaRPr lang="en-AU"/>
           </a:p>
@@ -3397,7 +3397,7 @@
           <a:p>
             <a:fld id="{EDEC158B-FB0A-43FC-87BA-79B801717EB2}" type="datetimeFigureOut">
               <a:rPr lang="en-AU" smtClean="0"/>
-              <a:t>22/08/2024</a:t>
+              <a:t>24/08/2024</a:t>
             </a:fld>
             <a:endParaRPr lang="en-AU"/>
           </a:p>
@@ -7009,7 +7009,7 @@
         </p:nvSpPr>
         <p:spPr>
           <a:xfrm>
-            <a:off x="2307327" y="384962"/>
+            <a:off x="2307327" y="89642"/>
             <a:ext cx="9755363" cy="824557"/>
           </a:xfrm>
         </p:spPr>
@@ -7042,7 +7042,7 @@
         </p:nvSpPr>
         <p:spPr>
           <a:xfrm>
-            <a:off x="444281" y="1073465"/>
+            <a:off x="490463" y="1337078"/>
             <a:ext cx="9362766" cy="4447457"/>
           </a:xfrm>
           <a:prstGeom prst="rect">
@@ -7109,7 +7109,7 @@
             </a:pPr>
             <a:r>
               <a:rPr lang="en-AU" sz="2600" dirty="0"/>
-              <a:t>On chip: how to classify with very limited resources</a:t>
+              <a:t>On chip/edge: how to classify with very limited resources</a:t>
             </a:r>
           </a:p>
           <a:p>
@@ -7119,7 +7119,7 @@
             </a:pPr>
             <a:r>
               <a:rPr lang="en-AU" sz="2600" dirty="0"/>
-              <a:t>XAT/Interpretability</a:t>
+              <a:t>XAI/Interpretability</a:t>
             </a:r>
           </a:p>
           <a:p>
@@ -7149,7 +7149,17 @@
             </a:pPr>
             <a:r>
               <a:rPr lang="en-AU" sz="2600" dirty="0"/>
-              <a:t>Expanding the archives for specific problem domains (EEG and HAR)</a:t>
+              <a:t>Expanding the archives, larger problems, and domain specific (EEG and HAR)</a:t>
+            </a:r>
+          </a:p>
+          <a:p>
+            <a:pPr marL="342900" indent="-342900" algn="l">
+              <a:buFont typeface="Arial" panose="020B0604020202020204" pitchFamily="34" charset="0"/>
+              <a:buChar char="•"/>
+            </a:pPr>
+            <a:r>
+              <a:rPr lang="en-AU" sz="2600" dirty="0"/>
+              <a:t>Foundation models</a:t>
             </a:r>
           </a:p>
           <a:p>

--- a/KDD-2024/Slides/part10_conclusions.pptx
+++ b/KDD-2024/Slides/part10_conclusions.pptx
@@ -219,7 +219,7 @@
           <a:p>
             <a:fld id="{A208CC58-AEBA-4B81-AD4F-648E402612BD}" type="datetimeFigureOut">
               <a:rPr lang="en-GB" smtClean="0"/>
-              <a:t>24/08/2024</a:t>
+              <a:t>26/08/2024</a:t>
             </a:fld>
             <a:endParaRPr lang="en-GB"/>
           </a:p>
@@ -728,7 +728,7 @@
           <a:p>
             <a:fld id="{EDEC158B-FB0A-43FC-87BA-79B801717EB2}" type="datetimeFigureOut">
               <a:rPr lang="en-AU" smtClean="0"/>
-              <a:t>24/08/2024</a:t>
+              <a:t>26/08/2024</a:t>
             </a:fld>
             <a:endParaRPr lang="en-AU"/>
           </a:p>
@@ -928,7 +928,7 @@
           <a:p>
             <a:fld id="{EDEC158B-FB0A-43FC-87BA-79B801717EB2}" type="datetimeFigureOut">
               <a:rPr lang="en-AU" smtClean="0"/>
-              <a:t>24/08/2024</a:t>
+              <a:t>26/08/2024</a:t>
             </a:fld>
             <a:endParaRPr lang="en-AU"/>
           </a:p>
@@ -1138,7 +1138,7 @@
           <a:p>
             <a:fld id="{EDEC158B-FB0A-43FC-87BA-79B801717EB2}" type="datetimeFigureOut">
               <a:rPr lang="en-AU" smtClean="0"/>
-              <a:t>24/08/2024</a:t>
+              <a:t>26/08/2024</a:t>
             </a:fld>
             <a:endParaRPr lang="en-AU"/>
           </a:p>
@@ -1338,7 +1338,7 @@
           <a:p>
             <a:fld id="{EDEC158B-FB0A-43FC-87BA-79B801717EB2}" type="datetimeFigureOut">
               <a:rPr lang="en-AU" smtClean="0"/>
-              <a:t>24/08/2024</a:t>
+              <a:t>26/08/2024</a:t>
             </a:fld>
             <a:endParaRPr lang="en-AU"/>
           </a:p>
@@ -1614,7 +1614,7 @@
           <a:p>
             <a:fld id="{EDEC158B-FB0A-43FC-87BA-79B801717EB2}" type="datetimeFigureOut">
               <a:rPr lang="en-AU" smtClean="0"/>
-              <a:t>24/08/2024</a:t>
+              <a:t>26/08/2024</a:t>
             </a:fld>
             <a:endParaRPr lang="en-AU"/>
           </a:p>
@@ -1882,7 +1882,7 @@
           <a:p>
             <a:fld id="{EDEC158B-FB0A-43FC-87BA-79B801717EB2}" type="datetimeFigureOut">
               <a:rPr lang="en-AU" smtClean="0"/>
-              <a:t>24/08/2024</a:t>
+              <a:t>26/08/2024</a:t>
             </a:fld>
             <a:endParaRPr lang="en-AU"/>
           </a:p>
@@ -2297,7 +2297,7 @@
           <a:p>
             <a:fld id="{EDEC158B-FB0A-43FC-87BA-79B801717EB2}" type="datetimeFigureOut">
               <a:rPr lang="en-AU" smtClean="0"/>
-              <a:t>24/08/2024</a:t>
+              <a:t>26/08/2024</a:t>
             </a:fld>
             <a:endParaRPr lang="en-AU"/>
           </a:p>
@@ -2439,7 +2439,7 @@
           <a:p>
             <a:fld id="{EDEC158B-FB0A-43FC-87BA-79B801717EB2}" type="datetimeFigureOut">
               <a:rPr lang="en-AU" smtClean="0"/>
-              <a:t>24/08/2024</a:t>
+              <a:t>26/08/2024</a:t>
             </a:fld>
             <a:endParaRPr lang="en-AU"/>
           </a:p>
@@ -2552,7 +2552,7 @@
           <a:p>
             <a:fld id="{EDEC158B-FB0A-43FC-87BA-79B801717EB2}" type="datetimeFigureOut">
               <a:rPr lang="en-AU" smtClean="0"/>
-              <a:t>24/08/2024</a:t>
+              <a:t>26/08/2024</a:t>
             </a:fld>
             <a:endParaRPr lang="en-AU"/>
           </a:p>
@@ -2865,7 +2865,7 @@
           <a:p>
             <a:fld id="{EDEC158B-FB0A-43FC-87BA-79B801717EB2}" type="datetimeFigureOut">
               <a:rPr lang="en-AU" smtClean="0"/>
-              <a:t>24/08/2024</a:t>
+              <a:t>26/08/2024</a:t>
             </a:fld>
             <a:endParaRPr lang="en-AU"/>
           </a:p>
@@ -3154,7 +3154,7 @@
           <a:p>
             <a:fld id="{EDEC158B-FB0A-43FC-87BA-79B801717EB2}" type="datetimeFigureOut">
               <a:rPr lang="en-AU" smtClean="0"/>
-              <a:t>24/08/2024</a:t>
+              <a:t>26/08/2024</a:t>
             </a:fld>
             <a:endParaRPr lang="en-AU"/>
           </a:p>
@@ -3397,7 +3397,7 @@
           <a:p>
             <a:fld id="{EDEC158B-FB0A-43FC-87BA-79B801717EB2}" type="datetimeFigureOut">
               <a:rPr lang="en-AU" smtClean="0"/>
-              <a:t>24/08/2024</a:t>
+              <a:t>26/08/2024</a:t>
             </a:fld>
             <a:endParaRPr lang="en-AU"/>
           </a:p>
@@ -7772,8 +7772,8 @@
         </p:blipFill>
         <p:spPr>
           <a:xfrm>
-            <a:off x="348228" y="1273533"/>
-            <a:ext cx="9082099" cy="5150918"/>
+            <a:off x="348228" y="904478"/>
+            <a:ext cx="10497250" cy="5953522"/>
           </a:xfrm>
           <a:prstGeom prst="rect">
             <a:avLst/>
